--- a/docs/diagrams/StorageComponentClassDiagram.pptx
+++ b/docs/diagrams/StorageComponentClassDiagram.pptx
@@ -192,7 +192,7 @@
           <a:p>
             <a:fld id="{F5CC4B3F-88C1-4FFA-B1B6-F41C21DC6924}" type="datetimeFigureOut">
               <a:rPr lang="en-US" smtClean="0"/>
-              <a:t>10/16/2016</a:t>
+              <a:t>10/25/17</a:t>
             </a:fld>
             <a:endParaRPr lang="en-US"/>
           </a:p>
@@ -641,7 +641,7 @@
           <a:p>
             <a:fld id="{78C97017-6FC3-485B-9764-EAC9E56C1D49}" type="datetimeFigureOut">
               <a:rPr lang="en-US" smtClean="0"/>
-              <a:t>10/16/2016</a:t>
+              <a:t>10/25/17</a:t>
             </a:fld>
             <a:endParaRPr lang="en-US"/>
           </a:p>
@@ -811,7 +811,7 @@
           <a:p>
             <a:fld id="{78C97017-6FC3-485B-9764-EAC9E56C1D49}" type="datetimeFigureOut">
               <a:rPr lang="en-US" smtClean="0"/>
-              <a:t>10/16/2016</a:t>
+              <a:t>10/25/17</a:t>
             </a:fld>
             <a:endParaRPr lang="en-US"/>
           </a:p>
@@ -991,7 +991,7 @@
           <a:p>
             <a:fld id="{78C97017-6FC3-485B-9764-EAC9E56C1D49}" type="datetimeFigureOut">
               <a:rPr lang="en-US" smtClean="0"/>
-              <a:t>10/16/2016</a:t>
+              <a:t>10/25/17</a:t>
             </a:fld>
             <a:endParaRPr lang="en-US"/>
           </a:p>
@@ -1161,7 +1161,7 @@
           <a:p>
             <a:fld id="{78C97017-6FC3-485B-9764-EAC9E56C1D49}" type="datetimeFigureOut">
               <a:rPr lang="en-US" smtClean="0"/>
-              <a:t>10/16/2016</a:t>
+              <a:t>10/25/17</a:t>
             </a:fld>
             <a:endParaRPr lang="en-US"/>
           </a:p>
@@ -1407,7 +1407,7 @@
           <a:p>
             <a:fld id="{78C97017-6FC3-485B-9764-EAC9E56C1D49}" type="datetimeFigureOut">
               <a:rPr lang="en-US" smtClean="0"/>
-              <a:t>10/16/2016</a:t>
+              <a:t>10/25/17</a:t>
             </a:fld>
             <a:endParaRPr lang="en-US"/>
           </a:p>
@@ -1695,7 +1695,7 @@
           <a:p>
             <a:fld id="{78C97017-6FC3-485B-9764-EAC9E56C1D49}" type="datetimeFigureOut">
               <a:rPr lang="en-US" smtClean="0"/>
-              <a:t>10/16/2016</a:t>
+              <a:t>10/25/17</a:t>
             </a:fld>
             <a:endParaRPr lang="en-US"/>
           </a:p>
@@ -2117,7 +2117,7 @@
           <a:p>
             <a:fld id="{78C97017-6FC3-485B-9764-EAC9E56C1D49}" type="datetimeFigureOut">
               <a:rPr lang="en-US" smtClean="0"/>
-              <a:t>10/16/2016</a:t>
+              <a:t>10/25/17</a:t>
             </a:fld>
             <a:endParaRPr lang="en-US"/>
           </a:p>
@@ -2235,7 +2235,7 @@
           <a:p>
             <a:fld id="{78C97017-6FC3-485B-9764-EAC9E56C1D49}" type="datetimeFigureOut">
               <a:rPr lang="en-US" smtClean="0"/>
-              <a:t>10/16/2016</a:t>
+              <a:t>10/25/17</a:t>
             </a:fld>
             <a:endParaRPr lang="en-US"/>
           </a:p>
@@ -2330,7 +2330,7 @@
           <a:p>
             <a:fld id="{78C97017-6FC3-485B-9764-EAC9E56C1D49}" type="datetimeFigureOut">
               <a:rPr lang="en-US" smtClean="0"/>
-              <a:t>10/16/2016</a:t>
+              <a:t>10/25/17</a:t>
             </a:fld>
             <a:endParaRPr lang="en-US"/>
           </a:p>
@@ -2607,7 +2607,7 @@
           <a:p>
             <a:fld id="{78C97017-6FC3-485B-9764-EAC9E56C1D49}" type="datetimeFigureOut">
               <a:rPr lang="en-US" smtClean="0"/>
-              <a:t>10/16/2016</a:t>
+              <a:t>10/25/17</a:t>
             </a:fld>
             <a:endParaRPr lang="en-US"/>
           </a:p>
@@ -2860,7 +2860,7 @@
           <a:p>
             <a:fld id="{78C97017-6FC3-485B-9764-EAC9E56C1D49}" type="datetimeFigureOut">
               <a:rPr lang="en-US" smtClean="0"/>
-              <a:t>10/16/2016</a:t>
+              <a:t>10/25/17</a:t>
             </a:fld>
             <a:endParaRPr lang="en-US"/>
           </a:p>
@@ -3073,7 +3073,7 @@
           <a:p>
             <a:fld id="{78C97017-6FC3-485B-9764-EAC9E56C1D49}" type="datetimeFigureOut">
               <a:rPr lang="en-US" smtClean="0"/>
-              <a:t>10/16/2016</a:t>
+              <a:t>10/25/17</a:t>
             </a:fld>
             <a:endParaRPr lang="en-US"/>
           </a:p>
@@ -3457,7 +3457,7 @@
         <p:spPr>
           <a:xfrm>
             <a:off x="1119865" y="2086382"/>
-            <a:ext cx="7871735" cy="1723618"/>
+            <a:ext cx="7871735" cy="2561818"/>
           </a:xfrm>
           <a:prstGeom prst="roundRect">
             <a:avLst>
@@ -3599,8 +3599,8 @@
         </p:nvSpPr>
         <p:spPr>
           <a:xfrm rot="16200000">
-            <a:off x="1683963" y="2868687"/>
-            <a:ext cx="1093635" cy="346760"/>
+            <a:off x="1382906" y="3169744"/>
+            <a:ext cx="1695750" cy="346760"/>
           </a:xfrm>
           <a:prstGeom prst="rect">
             <a:avLst/>
@@ -3662,8 +3662,8 @@
         </p:nvSpPr>
         <p:spPr>
           <a:xfrm rot="16200000">
-            <a:off x="956202" y="2861202"/>
-            <a:ext cx="1093635" cy="346760"/>
+            <a:off x="651402" y="3166002"/>
+            <a:ext cx="1703235" cy="346760"/>
           </a:xfrm>
           <a:prstGeom prst="rect">
             <a:avLst/>
@@ -3736,7 +3736,7 @@
         </p:nvSpPr>
         <p:spPr>
           <a:xfrm rot="16200000">
-            <a:off x="1626910" y="2952291"/>
+            <a:off x="1628910" y="3247890"/>
             <a:ext cx="270504" cy="175523"/>
           </a:xfrm>
           <a:prstGeom prst="triangle">
@@ -3879,7 +3879,7 @@
         </p:nvCxnSpPr>
         <p:spPr>
           <a:xfrm flipV="1">
-            <a:off x="1849924" y="3040052"/>
+            <a:off x="1851924" y="3335651"/>
             <a:ext cx="216105" cy="1"/>
           </a:xfrm>
           <a:prstGeom prst="line">
@@ -4833,6 +4833,588 @@
           </a:fontRef>
         </p:style>
       </p:cxnSp>
+      <p:cxnSp>
+        <p:nvCxnSpPr>
+          <p:cNvPr id="29" name="Straight Arrow Connector 28"/>
+          <p:cNvCxnSpPr>
+            <a:stCxn id="30" idx="3"/>
+          </p:cNvCxnSpPr>
+          <p:nvPr/>
+        </p:nvCxnSpPr>
+        <p:spPr>
+          <a:xfrm>
+            <a:off x="2674448" y="3896690"/>
+            <a:ext cx="220810" cy="5284"/>
+          </a:xfrm>
+          <a:prstGeom prst="straightConnector1">
+            <a:avLst/>
+          </a:prstGeom>
+          <a:ln w="19050">
+            <a:solidFill>
+              <a:schemeClr val="accent6">
+                <a:lumMod val="75000"/>
+              </a:schemeClr>
+            </a:solidFill>
+            <a:headEnd type="none" w="med" len="med"/>
+            <a:tailEnd type="arrow" w="med" len="med"/>
+          </a:ln>
+          <a:effectLst/>
+        </p:spPr>
+        <p:style>
+          <a:lnRef idx="1">
+            <a:schemeClr val="accent2"/>
+          </a:lnRef>
+          <a:fillRef idx="2">
+            <a:schemeClr val="accent2"/>
+          </a:fillRef>
+          <a:effectRef idx="1">
+            <a:schemeClr val="accent2"/>
+          </a:effectRef>
+          <a:fontRef idx="minor">
+            <a:schemeClr val="dk1"/>
+          </a:fontRef>
+        </p:style>
+      </p:cxnSp>
+      <p:sp>
+        <p:nvSpPr>
+          <p:cNvPr id="30" name="Flowchart: Decision 96"/>
+          <p:cNvSpPr/>
+          <p:nvPr/>
+        </p:nvSpPr>
+        <p:spPr>
+          <a:xfrm>
+            <a:off x="2438400" y="3810000"/>
+            <a:ext cx="236048" cy="173380"/>
+          </a:xfrm>
+          <a:prstGeom prst="flowChartDecision">
+            <a:avLst/>
+          </a:prstGeom>
+          <a:noFill/>
+          <a:ln w="19050">
+            <a:solidFill>
+              <a:schemeClr val="accent6">
+                <a:lumMod val="75000"/>
+              </a:schemeClr>
+            </a:solidFill>
+          </a:ln>
+          <a:effectLst/>
+        </p:spPr>
+        <p:style>
+          <a:lnRef idx="1">
+            <a:schemeClr val="accent2"/>
+          </a:lnRef>
+          <a:fillRef idx="2">
+            <a:schemeClr val="accent2"/>
+          </a:fillRef>
+          <a:effectRef idx="1">
+            <a:schemeClr val="accent2"/>
+          </a:effectRef>
+          <a:fontRef idx="minor">
+            <a:schemeClr val="dk1"/>
+          </a:fontRef>
+        </p:style>
+        <p:txBody>
+          <a:bodyPr rtlCol="0" anchor="ctr"/>
+          <a:lstStyle/>
+          <a:p>
+            <a:pPr algn="ctr"/>
+            <a:endParaRPr lang="en-US" sz="1050">
+              <a:solidFill>
+                <a:schemeClr val="bg1"/>
+              </a:solidFill>
+            </a:endParaRPr>
+          </a:p>
+        </p:txBody>
+      </p:sp>
+      <p:sp>
+        <p:nvSpPr>
+          <p:cNvPr id="34" name="Rectangle 8"/>
+          <p:cNvSpPr/>
+          <p:nvPr/>
+        </p:nvSpPr>
+        <p:spPr>
+          <a:xfrm>
+            <a:off x="2895600" y="3733800"/>
+            <a:ext cx="1323049" cy="346760"/>
+          </a:xfrm>
+          <a:prstGeom prst="rect">
+            <a:avLst/>
+          </a:prstGeom>
+          <a:solidFill>
+            <a:schemeClr val="accent6">
+              <a:lumMod val="75000"/>
+            </a:schemeClr>
+          </a:solidFill>
+          <a:ln w="19050">
+            <a:solidFill>
+              <a:schemeClr val="accent6">
+                <a:lumMod val="75000"/>
+              </a:schemeClr>
+            </a:solidFill>
+          </a:ln>
+          <a:effectLst/>
+        </p:spPr>
+        <p:style>
+          <a:lnRef idx="1">
+            <a:schemeClr val="accent2"/>
+          </a:lnRef>
+          <a:fillRef idx="2">
+            <a:schemeClr val="accent2"/>
+          </a:fillRef>
+          <a:effectRef idx="1">
+            <a:schemeClr val="accent2"/>
+          </a:effectRef>
+          <a:fontRef idx="minor">
+            <a:schemeClr val="dk1"/>
+          </a:fontRef>
+        </p:style>
+        <p:txBody>
+          <a:bodyPr rtlCol="0" anchor="ctr"/>
+          <a:lstStyle/>
+          <a:p>
+            <a:pPr algn="ctr"/>
+            <a:r>
+              <a:rPr lang="en-US" sz="1050" dirty="0" smtClean="0">
+                <a:solidFill>
+                  <a:schemeClr val="bg1"/>
+                </a:solidFill>
+              </a:rPr>
+              <a:t>&lt;&lt;interface&gt;&gt;</a:t>
+            </a:r>
+            <a:br>
+              <a:rPr lang="en-US" sz="1050" dirty="0" smtClean="0">
+                <a:solidFill>
+                  <a:schemeClr val="bg1"/>
+                </a:solidFill>
+              </a:rPr>
+            </a:br>
+            <a:r>
+              <a:rPr lang="en-US" sz="1050" dirty="0" err="1" smtClean="0">
+                <a:solidFill>
+                  <a:schemeClr val="bg1"/>
+                </a:solidFill>
+              </a:rPr>
+              <a:t>AddressBookStorage</a:t>
+            </a:r>
+            <a:endParaRPr lang="en-SG" sz="1050" dirty="0">
+              <a:solidFill>
+                <a:schemeClr val="bg1"/>
+              </a:solidFill>
+            </a:endParaRPr>
+          </a:p>
+        </p:txBody>
+      </p:sp>
+      <p:cxnSp>
+        <p:nvCxnSpPr>
+          <p:cNvPr id="35" name="Elbow Connector 63"/>
+          <p:cNvCxnSpPr>
+            <a:stCxn id="36" idx="3"/>
+          </p:cNvCxnSpPr>
+          <p:nvPr/>
+        </p:nvCxnSpPr>
+        <p:spPr>
+          <a:xfrm flipV="1">
+            <a:off x="4416461" y="3907180"/>
+            <a:ext cx="223324" cy="1"/>
+          </a:xfrm>
+          <a:prstGeom prst="bentConnector3">
+            <a:avLst>
+              <a:gd name="adj1" fmla="val 50000"/>
+            </a:avLst>
+          </a:prstGeom>
+          <a:ln w="19050">
+            <a:solidFill>
+              <a:schemeClr val="accent6">
+                <a:lumMod val="75000"/>
+              </a:schemeClr>
+            </a:solidFill>
+            <a:prstDash val="sysDot"/>
+            <a:headEnd type="none" w="med" len="med"/>
+            <a:tailEnd type="none" w="med" len="med"/>
+          </a:ln>
+          <a:effectLst/>
+        </p:spPr>
+        <p:style>
+          <a:lnRef idx="1">
+            <a:schemeClr val="accent2"/>
+          </a:lnRef>
+          <a:fillRef idx="2">
+            <a:schemeClr val="accent2"/>
+          </a:fillRef>
+          <a:effectRef idx="1">
+            <a:schemeClr val="accent2"/>
+          </a:effectRef>
+          <a:fontRef idx="minor">
+            <a:schemeClr val="dk1"/>
+          </a:fontRef>
+        </p:style>
+      </p:cxnSp>
+      <p:sp>
+        <p:nvSpPr>
+          <p:cNvPr id="36" name="Isosceles Triangle 102"/>
+          <p:cNvSpPr/>
+          <p:nvPr/>
+        </p:nvSpPr>
+        <p:spPr>
+          <a:xfrm rot="5400000" flipV="1">
+            <a:off x="4193447" y="3819419"/>
+            <a:ext cx="270504" cy="175523"/>
+          </a:xfrm>
+          <a:prstGeom prst="triangle">
+            <a:avLst/>
+          </a:prstGeom>
+          <a:solidFill>
+            <a:schemeClr val="accent6">
+              <a:lumMod val="75000"/>
+            </a:schemeClr>
+          </a:solidFill>
+          <a:ln w="19050">
+            <a:solidFill>
+              <a:schemeClr val="accent6">
+                <a:lumMod val="75000"/>
+              </a:schemeClr>
+            </a:solidFill>
+          </a:ln>
+          <a:effectLst/>
+        </p:spPr>
+        <p:style>
+          <a:lnRef idx="1">
+            <a:schemeClr val="accent2"/>
+          </a:lnRef>
+          <a:fillRef idx="2">
+            <a:schemeClr val="accent2"/>
+          </a:fillRef>
+          <a:effectRef idx="1">
+            <a:schemeClr val="accent2"/>
+          </a:effectRef>
+          <a:fontRef idx="minor">
+            <a:schemeClr val="dk1"/>
+          </a:fontRef>
+        </p:style>
+        <p:txBody>
+          <a:bodyPr rtlCol="0" anchor="ctr"/>
+          <a:lstStyle/>
+          <a:p>
+            <a:pPr algn="ctr"/>
+            <a:endParaRPr lang="en-SG" sz="1050">
+              <a:solidFill>
+                <a:schemeClr val="bg1"/>
+              </a:solidFill>
+            </a:endParaRPr>
+          </a:p>
+        </p:txBody>
+      </p:sp>
+      <p:cxnSp>
+        <p:nvCxnSpPr>
+          <p:cNvPr id="39" name="Elbow Connector 122"/>
+          <p:cNvCxnSpPr>
+            <a:stCxn id="40" idx="3"/>
+          </p:cNvCxnSpPr>
+          <p:nvPr/>
+        </p:nvCxnSpPr>
+        <p:spPr>
+          <a:xfrm>
+            <a:off x="5818035" y="3907180"/>
+            <a:ext cx="228600" cy="1970"/>
+          </a:xfrm>
+          <a:prstGeom prst="bentConnector3">
+            <a:avLst>
+              <a:gd name="adj1" fmla="val 50000"/>
+            </a:avLst>
+          </a:prstGeom>
+          <a:ln w="19050">
+            <a:solidFill>
+              <a:schemeClr val="accent6">
+                <a:lumMod val="75000"/>
+              </a:schemeClr>
+            </a:solidFill>
+            <a:prstDash val="sysDot"/>
+            <a:headEnd type="none" w="med" len="med"/>
+            <a:tailEnd type="arrow" w="med" len="med"/>
+          </a:ln>
+          <a:effectLst/>
+        </p:spPr>
+        <p:style>
+          <a:lnRef idx="1">
+            <a:schemeClr val="accent2"/>
+          </a:lnRef>
+          <a:fillRef idx="2">
+            <a:schemeClr val="accent2"/>
+          </a:fillRef>
+          <a:effectRef idx="1">
+            <a:schemeClr val="accent2"/>
+          </a:effectRef>
+          <a:fontRef idx="minor">
+            <a:schemeClr val="dk1"/>
+          </a:fontRef>
+        </p:style>
+      </p:cxnSp>
+      <p:sp>
+        <p:nvSpPr>
+          <p:cNvPr id="40" name="Rectangle 8"/>
+          <p:cNvSpPr/>
+          <p:nvPr/>
+        </p:nvSpPr>
+        <p:spPr>
+          <a:xfrm>
+            <a:off x="4648200" y="3733800"/>
+            <a:ext cx="1169835" cy="346760"/>
+          </a:xfrm>
+          <a:prstGeom prst="rect">
+            <a:avLst/>
+          </a:prstGeom>
+          <a:ln w="19050"/>
+          <a:effectLst/>
+        </p:spPr>
+        <p:style>
+          <a:lnRef idx="1">
+            <a:schemeClr val="accent6"/>
+          </a:lnRef>
+          <a:fillRef idx="2">
+            <a:schemeClr val="accent6"/>
+          </a:fillRef>
+          <a:effectRef idx="1">
+            <a:schemeClr val="accent6"/>
+          </a:effectRef>
+          <a:fontRef idx="minor">
+            <a:schemeClr val="dk1"/>
+          </a:fontRef>
+        </p:style>
+        <p:txBody>
+          <a:bodyPr rtlCol="0" anchor="ctr"/>
+          <a:lstStyle/>
+          <a:p>
+            <a:pPr algn="ctr"/>
+            <a:r>
+              <a:rPr lang="en-US" sz="1050" b="1" dirty="0" err="1" smtClean="0">
+                <a:solidFill>
+                  <a:schemeClr val="accent6">
+                    <a:lumMod val="75000"/>
+                  </a:schemeClr>
+                </a:solidFill>
+              </a:rPr>
+              <a:t>XmlReminders</a:t>
+            </a:r>
+            <a:r>
+              <a:rPr lang="en-US" sz="1050" b="1" dirty="0" smtClean="0">
+                <a:solidFill>
+                  <a:schemeClr val="accent6">
+                    <a:lumMod val="75000"/>
+                  </a:schemeClr>
+                </a:solidFill>
+              </a:rPr>
+              <a:t/>
+            </a:r>
+            <a:br>
+              <a:rPr lang="en-US" sz="1050" b="1" dirty="0" smtClean="0">
+                <a:solidFill>
+                  <a:schemeClr val="accent6">
+                    <a:lumMod val="75000"/>
+                  </a:schemeClr>
+                </a:solidFill>
+              </a:rPr>
+            </a:br>
+            <a:r>
+              <a:rPr lang="en-US" sz="1050" b="1" dirty="0" smtClean="0">
+                <a:solidFill>
+                  <a:schemeClr val="accent6">
+                    <a:lumMod val="75000"/>
+                  </a:schemeClr>
+                </a:solidFill>
+              </a:rPr>
+              <a:t>Storage</a:t>
+            </a:r>
+            <a:endParaRPr lang="en-SG" sz="1050" b="1" dirty="0">
+              <a:solidFill>
+                <a:schemeClr val="accent6">
+                  <a:lumMod val="75000"/>
+                </a:schemeClr>
+              </a:solidFill>
+            </a:endParaRPr>
+          </a:p>
+        </p:txBody>
+      </p:sp>
+      <p:sp>
+        <p:nvSpPr>
+          <p:cNvPr id="41" name="Rectangle 8"/>
+          <p:cNvSpPr/>
+          <p:nvPr/>
+        </p:nvSpPr>
+        <p:spPr>
+          <a:xfrm>
+            <a:off x="6019800" y="3733800"/>
+            <a:ext cx="1200707" cy="346760"/>
+          </a:xfrm>
+          <a:prstGeom prst="rect">
+            <a:avLst/>
+          </a:prstGeom>
+          <a:ln w="19050"/>
+          <a:effectLst/>
+        </p:spPr>
+        <p:style>
+          <a:lnRef idx="1">
+            <a:schemeClr val="accent6"/>
+          </a:lnRef>
+          <a:fillRef idx="2">
+            <a:schemeClr val="accent6"/>
+          </a:fillRef>
+          <a:effectRef idx="1">
+            <a:schemeClr val="accent6"/>
+          </a:effectRef>
+          <a:fontRef idx="minor">
+            <a:schemeClr val="dk1"/>
+          </a:fontRef>
+        </p:style>
+        <p:txBody>
+          <a:bodyPr rtlCol="0" anchor="ctr"/>
+          <a:lstStyle/>
+          <a:p>
+            <a:pPr algn="ctr"/>
+            <a:r>
+              <a:rPr lang="en-US" sz="1050" b="1" dirty="0" err="1" smtClean="0">
+                <a:solidFill>
+                  <a:schemeClr val="accent6">
+                    <a:lumMod val="75000"/>
+                  </a:schemeClr>
+                </a:solidFill>
+              </a:rPr>
+              <a:t>XmlSerializable</a:t>
+            </a:r>
+            <a:r>
+              <a:rPr lang="en-US" sz="1050" b="1" dirty="0" smtClean="0">
+                <a:solidFill>
+                  <a:schemeClr val="accent6">
+                    <a:lumMod val="75000"/>
+                  </a:schemeClr>
+                </a:solidFill>
+              </a:rPr>
+              <a:t/>
+            </a:r>
+            <a:br>
+              <a:rPr lang="en-US" sz="1050" b="1" dirty="0" smtClean="0">
+                <a:solidFill>
+                  <a:schemeClr val="accent6">
+                    <a:lumMod val="75000"/>
+                  </a:schemeClr>
+                </a:solidFill>
+              </a:rPr>
+            </a:br>
+            <a:r>
+              <a:rPr lang="en-US" sz="1050" b="1" dirty="0" err="1">
+                <a:solidFill>
+                  <a:schemeClr val="accent6">
+                    <a:lumMod val="75000"/>
+                  </a:schemeClr>
+                </a:solidFill>
+              </a:rPr>
+              <a:t>Reminders</a:t>
+            </a:r>
+            <a:endParaRPr lang="en-SG" sz="1050" b="1" dirty="0">
+              <a:solidFill>
+                <a:schemeClr val="accent6">
+                  <a:lumMod val="75000"/>
+                </a:schemeClr>
+              </a:solidFill>
+            </a:endParaRPr>
+          </a:p>
+        </p:txBody>
+      </p:sp>
+      <p:cxnSp>
+        <p:nvCxnSpPr>
+          <p:cNvPr id="43" name="Elbow Connector 122"/>
+          <p:cNvCxnSpPr>
+            <a:stCxn id="41" idx="3"/>
+          </p:cNvCxnSpPr>
+          <p:nvPr/>
+        </p:nvCxnSpPr>
+        <p:spPr>
+          <a:xfrm flipV="1">
+            <a:off x="7220507" y="3906394"/>
+            <a:ext cx="395231" cy="786"/>
+          </a:xfrm>
+          <a:prstGeom prst="bentConnector3">
+            <a:avLst>
+              <a:gd name="adj1" fmla="val 50000"/>
+            </a:avLst>
+          </a:prstGeom>
+          <a:ln w="19050">
+            <a:prstDash val="sysDot"/>
+            <a:headEnd type="none" w="med" len="med"/>
+            <a:tailEnd type="arrow" w="med" len="med"/>
+          </a:ln>
+          <a:effectLst/>
+        </p:spPr>
+        <p:style>
+          <a:lnRef idx="1">
+            <a:schemeClr val="accent6"/>
+          </a:lnRef>
+          <a:fillRef idx="2">
+            <a:schemeClr val="accent6"/>
+          </a:fillRef>
+          <a:effectRef idx="1">
+            <a:schemeClr val="accent6"/>
+          </a:effectRef>
+          <a:fontRef idx="minor">
+            <a:schemeClr val="dk1"/>
+          </a:fontRef>
+        </p:style>
+      </p:cxnSp>
+      <p:sp>
+        <p:nvSpPr>
+          <p:cNvPr id="46" name="Rectangle 8"/>
+          <p:cNvSpPr/>
+          <p:nvPr/>
+        </p:nvSpPr>
+        <p:spPr>
+          <a:xfrm>
+            <a:off x="7620000" y="3729968"/>
+            <a:ext cx="1259718" cy="346760"/>
+          </a:xfrm>
+          <a:prstGeom prst="rect">
+            <a:avLst/>
+          </a:prstGeom>
+          <a:ln w="19050"/>
+          <a:effectLst/>
+        </p:spPr>
+        <p:style>
+          <a:lnRef idx="1">
+            <a:schemeClr val="accent6"/>
+          </a:lnRef>
+          <a:fillRef idx="2">
+            <a:schemeClr val="accent6"/>
+          </a:fillRef>
+          <a:effectRef idx="1">
+            <a:schemeClr val="accent6"/>
+          </a:effectRef>
+          <a:fontRef idx="minor">
+            <a:schemeClr val="dk1"/>
+          </a:fontRef>
+        </p:style>
+        <p:txBody>
+          <a:bodyPr rtlCol="0" anchor="ctr"/>
+          <a:lstStyle/>
+          <a:p>
+            <a:pPr algn="ctr"/>
+            <a:r>
+              <a:rPr lang="en-US" sz="1050" b="1" dirty="0" err="1" smtClean="0">
+                <a:solidFill>
+                  <a:schemeClr val="accent6">
+                    <a:lumMod val="75000"/>
+                  </a:schemeClr>
+                </a:solidFill>
+              </a:rPr>
+              <a:t>XmlAdaptedReminder</a:t>
+            </a:r>
+            <a:endParaRPr lang="en-SG" sz="1050" b="1" dirty="0">
+              <a:solidFill>
+                <a:schemeClr val="accent6">
+                  <a:lumMod val="75000"/>
+                </a:schemeClr>
+              </a:solidFill>
+            </a:endParaRPr>
+          </a:p>
+        </p:txBody>
+      </p:sp>
     </p:spTree>
     <p:extLst>
       <p:ext uri="{BB962C8B-B14F-4D97-AF65-F5344CB8AC3E}">
@@ -4846,7 +5428,7 @@
   <p:timing>
     <p:tnLst>
       <p:par>
-        <p:cTn id="1" dur="indefinite" restart="never" nodeType="tmRoot"/>
+        <p:cTn xmlns:p14="http://schemas.microsoft.com/office/powerpoint/2010/main" id="1" dur="indefinite" restart="never" nodeType="tmRoot"/>
       </p:par>
     </p:tnLst>
   </p:timing>

--- a/docs/diagrams/StorageComponentClassDiagram.pptx
+++ b/docs/diagrams/StorageComponentClassDiagram.pptx
@@ -192,7 +192,7 @@
           <a:p>
             <a:fld id="{F5CC4B3F-88C1-4FFA-B1B6-F41C21DC6924}" type="datetimeFigureOut">
               <a:rPr lang="en-US" smtClean="0"/>
-              <a:t>10/25/17</a:t>
+              <a:t>10/26/17</a:t>
             </a:fld>
             <a:endParaRPr lang="en-US"/>
           </a:p>
@@ -641,7 +641,7 @@
           <a:p>
             <a:fld id="{78C97017-6FC3-485B-9764-EAC9E56C1D49}" type="datetimeFigureOut">
               <a:rPr lang="en-US" smtClean="0"/>
-              <a:t>10/25/17</a:t>
+              <a:t>10/26/17</a:t>
             </a:fld>
             <a:endParaRPr lang="en-US"/>
           </a:p>
@@ -811,7 +811,7 @@
           <a:p>
             <a:fld id="{78C97017-6FC3-485B-9764-EAC9E56C1D49}" type="datetimeFigureOut">
               <a:rPr lang="en-US" smtClean="0"/>
-              <a:t>10/25/17</a:t>
+              <a:t>10/26/17</a:t>
             </a:fld>
             <a:endParaRPr lang="en-US"/>
           </a:p>
@@ -991,7 +991,7 @@
           <a:p>
             <a:fld id="{78C97017-6FC3-485B-9764-EAC9E56C1D49}" type="datetimeFigureOut">
               <a:rPr lang="en-US" smtClean="0"/>
-              <a:t>10/25/17</a:t>
+              <a:t>10/26/17</a:t>
             </a:fld>
             <a:endParaRPr lang="en-US"/>
           </a:p>
@@ -1161,7 +1161,7 @@
           <a:p>
             <a:fld id="{78C97017-6FC3-485B-9764-EAC9E56C1D49}" type="datetimeFigureOut">
               <a:rPr lang="en-US" smtClean="0"/>
-              <a:t>10/25/17</a:t>
+              <a:t>10/26/17</a:t>
             </a:fld>
             <a:endParaRPr lang="en-US"/>
           </a:p>
@@ -1407,7 +1407,7 @@
           <a:p>
             <a:fld id="{78C97017-6FC3-485B-9764-EAC9E56C1D49}" type="datetimeFigureOut">
               <a:rPr lang="en-US" smtClean="0"/>
-              <a:t>10/25/17</a:t>
+              <a:t>10/26/17</a:t>
             </a:fld>
             <a:endParaRPr lang="en-US"/>
           </a:p>
@@ -1695,7 +1695,7 @@
           <a:p>
             <a:fld id="{78C97017-6FC3-485B-9764-EAC9E56C1D49}" type="datetimeFigureOut">
               <a:rPr lang="en-US" smtClean="0"/>
-              <a:t>10/25/17</a:t>
+              <a:t>10/26/17</a:t>
             </a:fld>
             <a:endParaRPr lang="en-US"/>
           </a:p>
@@ -2117,7 +2117,7 @@
           <a:p>
             <a:fld id="{78C97017-6FC3-485B-9764-EAC9E56C1D49}" type="datetimeFigureOut">
               <a:rPr lang="en-US" smtClean="0"/>
-              <a:t>10/25/17</a:t>
+              <a:t>10/26/17</a:t>
             </a:fld>
             <a:endParaRPr lang="en-US"/>
           </a:p>
@@ -2235,7 +2235,7 @@
           <a:p>
             <a:fld id="{78C97017-6FC3-485B-9764-EAC9E56C1D49}" type="datetimeFigureOut">
               <a:rPr lang="en-US" smtClean="0"/>
-              <a:t>10/25/17</a:t>
+              <a:t>10/26/17</a:t>
             </a:fld>
             <a:endParaRPr lang="en-US"/>
           </a:p>
@@ -2330,7 +2330,7 @@
           <a:p>
             <a:fld id="{78C97017-6FC3-485B-9764-EAC9E56C1D49}" type="datetimeFigureOut">
               <a:rPr lang="en-US" smtClean="0"/>
-              <a:t>10/25/17</a:t>
+              <a:t>10/26/17</a:t>
             </a:fld>
             <a:endParaRPr lang="en-US"/>
           </a:p>
@@ -2607,7 +2607,7 @@
           <a:p>
             <a:fld id="{78C97017-6FC3-485B-9764-EAC9E56C1D49}" type="datetimeFigureOut">
               <a:rPr lang="en-US" smtClean="0"/>
-              <a:t>10/25/17</a:t>
+              <a:t>10/26/17</a:t>
             </a:fld>
             <a:endParaRPr lang="en-US"/>
           </a:p>
@@ -2860,7 +2860,7 @@
           <a:p>
             <a:fld id="{78C97017-6FC3-485B-9764-EAC9E56C1D49}" type="datetimeFigureOut">
               <a:rPr lang="en-US" smtClean="0"/>
-              <a:t>10/25/17</a:t>
+              <a:t>10/26/17</a:t>
             </a:fld>
             <a:endParaRPr lang="en-US"/>
           </a:p>
@@ -3073,7 +3073,7 @@
           <a:p>
             <a:fld id="{78C97017-6FC3-485B-9764-EAC9E56C1D49}" type="datetimeFigureOut">
               <a:rPr lang="en-US" smtClean="0"/>
-              <a:t>10/25/17</a:t>
+              <a:t>10/26/17</a:t>
             </a:fld>
             <a:endParaRPr lang="en-US"/>
           </a:p>
@@ -4981,20 +4981,24 @@
               </a:rPr>
               <a:t>&lt;&lt;interface&gt;&gt;</a:t>
             </a:r>
-            <a:br>
-              <a:rPr lang="en-US" sz="1050" dirty="0" smtClean="0">
+          </a:p>
+          <a:p>
+            <a:pPr algn="ctr"/>
+            <a:r>
+              <a:rPr lang="en-US" sz="1050" dirty="0">
                 <a:solidFill>
                   <a:schemeClr val="bg1"/>
                 </a:solidFill>
               </a:rPr>
-            </a:br>
+              <a:t>Reminders</a:t>
+            </a:r>
             <a:r>
               <a:rPr lang="en-US" sz="1050" dirty="0" err="1" smtClean="0">
                 <a:solidFill>
                   <a:schemeClr val="bg1"/>
                 </a:solidFill>
               </a:rPr>
-              <a:t>AddressBookStorage</a:t>
+              <a:t>Storage</a:t>
             </a:r>
             <a:endParaRPr lang="en-SG" sz="1050" dirty="0">
               <a:solidFill>
